--- a/examples/peptidecutter/python爬虫-生物信息学导论-陈源,胡大辉.pptx
+++ b/examples/peptidecutter/python爬虫-生物信息学导论-陈源,胡大辉.pptx
@@ -253,7 +253,7 @@
             <a:fld id="{9C5A23E5-80C0-4A93-AA5E-1121441E186C}" type="datetimeFigureOut">
               <a:rPr lang="zh-CN" altLang="en-US" smtClean="0"/>
               <a:pPr/>
-              <a:t>2016/12/11</a:t>
+              <a:t>2016/12/15</a:t>
             </a:fld>
             <a:endParaRPr lang="zh-CN" altLang="en-US"/>
           </a:p>
@@ -6426,11 +6426,7 @@
             </a:r>
             <a:r>
               <a:rPr lang="en-US" altLang="zh-CN" dirty="0"/>
-              <a:t>– </a:t>
-            </a:r>
-            <a:r>
-              <a:rPr lang="en-US" altLang="zh-CN" dirty="0"/>
-              <a:t>More to go</a:t>
+              <a:t>– More to go</a:t>
             </a:r>
             <a:endParaRPr lang="zh-CN" altLang="en-US" dirty="0">
               <a:solidFill>
@@ -6762,7 +6758,7 @@
         <p:spPr>
           <a:xfrm>
             <a:off x="566738" y="1752600"/>
-            <a:ext cx="8253734" cy="535531"/>
+            <a:ext cx="8253734" cy="496867"/>
           </a:xfrm>
           <a:prstGeom prst="rect">
             <a:avLst/>
@@ -6808,7 +6804,7 @@
                 <a:ea typeface="黑体" pitchFamily="2" charset="-122"/>
                 <a:cs typeface="Times New Roman" pitchFamily="18" charset="0"/>
               </a:rPr>
-              <a:t>–</a:t>
+              <a:t>-</a:t>
             </a:r>
             <a:r>
               <a:rPr lang="en-US" altLang="zh-CN" sz="2400" b="1" dirty="0" err="1">
@@ -7769,7 +7765,6 @@
               <a:rPr lang="zh-CN" altLang="en-US" dirty="0"/>
               <a:t>预测蛋白质水解位点</a:t>
             </a:r>
-            <a:endParaRPr lang="zh-CN" altLang="en-US" dirty="0"/>
           </a:p>
         </p:txBody>
       </p:sp>
